--- a/Odds maker app.pptx
+++ b/Odds maker app.pptx
@@ -1469,13 +1469,6 @@
         </dgm:presLayoutVars>
       </dgm:prSet>
       <dgm:spPr/>
-      <dgm:t>
-        <a:bodyPr/>
-        <a:lstStyle/>
-        <a:p>
-          <a:endParaRPr lang="en-US"/>
-        </a:p>
-      </dgm:t>
     </dgm:pt>
     <dgm:pt modelId="{759C668A-BA42-45C5-B924-A31E5CCDA908}" type="pres">
       <dgm:prSet presAssocID="{9F2DD87D-62EE-4AB7-906F-F86855AFD4F0}" presName="node" presStyleLbl="node1" presStyleIdx="0" presStyleCnt="5">
@@ -1484,35 +1477,14 @@
         </dgm:presLayoutVars>
       </dgm:prSet>
       <dgm:spPr/>
-      <dgm:t>
-        <a:bodyPr/>
-        <a:lstStyle/>
-        <a:p>
-          <a:endParaRPr lang="en-US"/>
-        </a:p>
-      </dgm:t>
     </dgm:pt>
     <dgm:pt modelId="{129494FF-8638-4A7F-A8FB-E1F27360A6D4}" type="pres">
       <dgm:prSet presAssocID="{9D8F6B41-218F-4811-898A-1DCC9FB74725}" presName="sibTrans" presStyleLbl="sibTrans2D1" presStyleIdx="0" presStyleCnt="5"/>
       <dgm:spPr/>
-      <dgm:t>
-        <a:bodyPr/>
-        <a:lstStyle/>
-        <a:p>
-          <a:endParaRPr lang="en-US"/>
-        </a:p>
-      </dgm:t>
     </dgm:pt>
     <dgm:pt modelId="{7161C4E4-1BE3-4634-A625-5810D5F67360}" type="pres">
       <dgm:prSet presAssocID="{9D8F6B41-218F-4811-898A-1DCC9FB74725}" presName="connectorText" presStyleLbl="sibTrans2D1" presStyleIdx="0" presStyleCnt="5"/>
       <dgm:spPr/>
-      <dgm:t>
-        <a:bodyPr/>
-        <a:lstStyle/>
-        <a:p>
-          <a:endParaRPr lang="en-US"/>
-        </a:p>
-      </dgm:t>
     </dgm:pt>
     <dgm:pt modelId="{06B42BFB-CE80-4CD1-A7A9-4D7DE34CB4F5}" type="pres">
       <dgm:prSet presAssocID="{F7208B30-C597-42AA-83A6-1751891EFEB6}" presName="node" presStyleLbl="node1" presStyleIdx="1" presStyleCnt="5">
@@ -1521,35 +1493,14 @@
         </dgm:presLayoutVars>
       </dgm:prSet>
       <dgm:spPr/>
-      <dgm:t>
-        <a:bodyPr/>
-        <a:lstStyle/>
-        <a:p>
-          <a:endParaRPr lang="en-US"/>
-        </a:p>
-      </dgm:t>
     </dgm:pt>
     <dgm:pt modelId="{60974098-7292-4D27-8ED6-73BF1656B9BB}" type="pres">
       <dgm:prSet presAssocID="{9D26B4AE-8B80-4B7B-8A31-E483F28251DE}" presName="sibTrans" presStyleLbl="sibTrans2D1" presStyleIdx="1" presStyleCnt="5"/>
       <dgm:spPr/>
-      <dgm:t>
-        <a:bodyPr/>
-        <a:lstStyle/>
-        <a:p>
-          <a:endParaRPr lang="en-US"/>
-        </a:p>
-      </dgm:t>
     </dgm:pt>
     <dgm:pt modelId="{40A8BEB9-FD51-41D6-90B4-63EA75350B61}" type="pres">
       <dgm:prSet presAssocID="{9D26B4AE-8B80-4B7B-8A31-E483F28251DE}" presName="connectorText" presStyleLbl="sibTrans2D1" presStyleIdx="1" presStyleCnt="5"/>
       <dgm:spPr/>
-      <dgm:t>
-        <a:bodyPr/>
-        <a:lstStyle/>
-        <a:p>
-          <a:endParaRPr lang="en-US"/>
-        </a:p>
-      </dgm:t>
     </dgm:pt>
     <dgm:pt modelId="{BFCDBBC7-C84D-4A68-AB73-13970D676FAB}" type="pres">
       <dgm:prSet presAssocID="{CE4A6543-468B-4896-919A-07DADBAE07D1}" presName="node" presStyleLbl="node1" presStyleIdx="2" presStyleCnt="5">
@@ -1558,35 +1509,14 @@
         </dgm:presLayoutVars>
       </dgm:prSet>
       <dgm:spPr/>
-      <dgm:t>
-        <a:bodyPr/>
-        <a:lstStyle/>
-        <a:p>
-          <a:endParaRPr lang="en-US"/>
-        </a:p>
-      </dgm:t>
     </dgm:pt>
     <dgm:pt modelId="{DA2D5722-85BB-4EAE-BE90-A007EC011C31}" type="pres">
       <dgm:prSet presAssocID="{C858197D-B4D7-4B75-8F6E-35EA577F4C41}" presName="sibTrans" presStyleLbl="sibTrans2D1" presStyleIdx="2" presStyleCnt="5"/>
       <dgm:spPr/>
-      <dgm:t>
-        <a:bodyPr/>
-        <a:lstStyle/>
-        <a:p>
-          <a:endParaRPr lang="en-US"/>
-        </a:p>
-      </dgm:t>
     </dgm:pt>
     <dgm:pt modelId="{2A8B1594-8EF0-4914-B453-F8CE294391ED}" type="pres">
       <dgm:prSet presAssocID="{C858197D-B4D7-4B75-8F6E-35EA577F4C41}" presName="connectorText" presStyleLbl="sibTrans2D1" presStyleIdx="2" presStyleCnt="5"/>
       <dgm:spPr/>
-      <dgm:t>
-        <a:bodyPr/>
-        <a:lstStyle/>
-        <a:p>
-          <a:endParaRPr lang="en-US"/>
-        </a:p>
-      </dgm:t>
     </dgm:pt>
     <dgm:pt modelId="{C05308C4-FEBE-49E1-A0C9-2F224CD97FB4}" type="pres">
       <dgm:prSet presAssocID="{62DB1F06-B976-4258-8AC5-90E7DA349820}" presName="node" presStyleLbl="node1" presStyleIdx="3" presStyleCnt="5">
@@ -1595,35 +1525,14 @@
         </dgm:presLayoutVars>
       </dgm:prSet>
       <dgm:spPr/>
-      <dgm:t>
-        <a:bodyPr/>
-        <a:lstStyle/>
-        <a:p>
-          <a:endParaRPr lang="en-US"/>
-        </a:p>
-      </dgm:t>
     </dgm:pt>
     <dgm:pt modelId="{ABA42682-7DF1-4B31-B1C5-D54CBA135880}" type="pres">
       <dgm:prSet presAssocID="{0B9242E2-A251-4F36-AACB-C0404A787462}" presName="sibTrans" presStyleLbl="sibTrans2D1" presStyleIdx="3" presStyleCnt="5"/>
       <dgm:spPr/>
-      <dgm:t>
-        <a:bodyPr/>
-        <a:lstStyle/>
-        <a:p>
-          <a:endParaRPr lang="en-US"/>
-        </a:p>
-      </dgm:t>
     </dgm:pt>
     <dgm:pt modelId="{10FA9BC3-C523-4FF2-AF42-2C5E27691805}" type="pres">
       <dgm:prSet presAssocID="{0B9242E2-A251-4F36-AACB-C0404A787462}" presName="connectorText" presStyleLbl="sibTrans2D1" presStyleIdx="3" presStyleCnt="5"/>
       <dgm:spPr/>
-      <dgm:t>
-        <a:bodyPr/>
-        <a:lstStyle/>
-        <a:p>
-          <a:endParaRPr lang="en-US"/>
-        </a:p>
-      </dgm:t>
     </dgm:pt>
     <dgm:pt modelId="{96A58BD1-6765-419B-A2D2-6667EEF5017F}" type="pres">
       <dgm:prSet presAssocID="{3AC27560-A0AE-4613-9F8A-61916F0FD912}" presName="node" presStyleLbl="node1" presStyleIdx="4" presStyleCnt="5">
@@ -1632,59 +1541,38 @@
         </dgm:presLayoutVars>
       </dgm:prSet>
       <dgm:spPr/>
-      <dgm:t>
-        <a:bodyPr/>
-        <a:lstStyle/>
-        <a:p>
-          <a:endParaRPr lang="en-US"/>
-        </a:p>
-      </dgm:t>
     </dgm:pt>
     <dgm:pt modelId="{17285107-D169-46D7-8C77-9B2E1725000F}" type="pres">
       <dgm:prSet presAssocID="{94F300C4-646A-4B27-884C-AD681F7E7601}" presName="sibTrans" presStyleLbl="sibTrans2D1" presStyleIdx="4" presStyleCnt="5"/>
       <dgm:spPr/>
-      <dgm:t>
-        <a:bodyPr/>
-        <a:lstStyle/>
-        <a:p>
-          <a:endParaRPr lang="en-US"/>
-        </a:p>
-      </dgm:t>
     </dgm:pt>
     <dgm:pt modelId="{98E125A4-3D2B-447D-88BB-D8655BC2CCF9}" type="pres">
       <dgm:prSet presAssocID="{94F300C4-646A-4B27-884C-AD681F7E7601}" presName="connectorText" presStyleLbl="sibTrans2D1" presStyleIdx="4" presStyleCnt="5"/>
       <dgm:spPr/>
-      <dgm:t>
-        <a:bodyPr/>
-        <a:lstStyle/>
-        <a:p>
-          <a:endParaRPr lang="en-US"/>
-        </a:p>
-      </dgm:t>
     </dgm:pt>
   </dgm:ptLst>
   <dgm:cxnLst>
+    <dgm:cxn modelId="{934F1B10-F61B-41A2-8145-0327D5732315}" type="presOf" srcId="{3A15F1F8-B2F2-4691-AE28-E760D4B3D407}" destId="{733F3E62-8596-4463-B453-BD8130F402A5}" srcOrd="0" destOrd="0" presId="urn:microsoft.com/office/officeart/2005/8/layout/cycle2"/>
+    <dgm:cxn modelId="{2332F42B-E768-4366-B6A9-43360A6F1A15}" type="presOf" srcId="{F7208B30-C597-42AA-83A6-1751891EFEB6}" destId="{06B42BFB-CE80-4CD1-A7A9-4D7DE34CB4F5}" srcOrd="0" destOrd="0" presId="urn:microsoft.com/office/officeart/2005/8/layout/cycle2"/>
+    <dgm:cxn modelId="{1C829B32-6A5D-4E40-A659-F2BD336713AA}" type="presOf" srcId="{9F2DD87D-62EE-4AB7-906F-F86855AFD4F0}" destId="{759C668A-BA42-45C5-B924-A31E5CCDA908}" srcOrd="0" destOrd="0" presId="urn:microsoft.com/office/officeart/2005/8/layout/cycle2"/>
+    <dgm:cxn modelId="{28BEF85C-03EE-42FD-8639-6B5A5141DC2A}" type="presOf" srcId="{94F300C4-646A-4B27-884C-AD681F7E7601}" destId="{98E125A4-3D2B-447D-88BB-D8655BC2CCF9}" srcOrd="1" destOrd="0" presId="urn:microsoft.com/office/officeart/2005/8/layout/cycle2"/>
+    <dgm:cxn modelId="{F2DF5B5E-0D3B-49C3-B5EF-17BC1EE9239F}" srcId="{3A15F1F8-B2F2-4691-AE28-E760D4B3D407}" destId="{F7208B30-C597-42AA-83A6-1751891EFEB6}" srcOrd="1" destOrd="0" parTransId="{05E07AAF-B424-4BA9-B548-C81324883DE0}" sibTransId="{9D26B4AE-8B80-4B7B-8A31-E483F28251DE}"/>
+    <dgm:cxn modelId="{EE09FE48-2999-4494-A14B-0A23169FBB36}" type="presOf" srcId="{94F300C4-646A-4B27-884C-AD681F7E7601}" destId="{17285107-D169-46D7-8C77-9B2E1725000F}" srcOrd="0" destOrd="0" presId="urn:microsoft.com/office/officeart/2005/8/layout/cycle2"/>
+    <dgm:cxn modelId="{038DF049-274C-46DC-A319-758E082064B0}" type="presOf" srcId="{0B9242E2-A251-4F36-AACB-C0404A787462}" destId="{10FA9BC3-C523-4FF2-AF42-2C5E27691805}" srcOrd="1" destOrd="0" presId="urn:microsoft.com/office/officeart/2005/8/layout/cycle2"/>
+    <dgm:cxn modelId="{A30CA06D-456C-48B1-9D59-B522BD197C5A}" type="presOf" srcId="{62DB1F06-B976-4258-8AC5-90E7DA349820}" destId="{C05308C4-FEBE-49E1-A0C9-2F224CD97FB4}" srcOrd="0" destOrd="0" presId="urn:microsoft.com/office/officeart/2005/8/layout/cycle2"/>
     <dgm:cxn modelId="{359FB76F-671B-4ECE-B056-A96133A88C67}" type="presOf" srcId="{0B9242E2-A251-4F36-AACB-C0404A787462}" destId="{ABA42682-7DF1-4B31-B1C5-D54CBA135880}" srcOrd="0" destOrd="0" presId="urn:microsoft.com/office/officeart/2005/8/layout/cycle2"/>
-    <dgm:cxn modelId="{1C829B32-6A5D-4E40-A659-F2BD336713AA}" type="presOf" srcId="{9F2DD87D-62EE-4AB7-906F-F86855AFD4F0}" destId="{759C668A-BA42-45C5-B924-A31E5CCDA908}" srcOrd="0" destOrd="0" presId="urn:microsoft.com/office/officeart/2005/8/layout/cycle2"/>
-    <dgm:cxn modelId="{A30CA06D-456C-48B1-9D59-B522BD197C5A}" type="presOf" srcId="{62DB1F06-B976-4258-8AC5-90E7DA349820}" destId="{C05308C4-FEBE-49E1-A0C9-2F224CD97FB4}" srcOrd="0" destOrd="0" presId="urn:microsoft.com/office/officeart/2005/8/layout/cycle2"/>
+    <dgm:cxn modelId="{F1C24A52-CF80-4A3A-95D4-9C2758B865B1}" type="presOf" srcId="{9D26B4AE-8B80-4B7B-8A31-E483F28251DE}" destId="{60974098-7292-4D27-8ED6-73BF1656B9BB}" srcOrd="0" destOrd="0" presId="urn:microsoft.com/office/officeart/2005/8/layout/cycle2"/>
     <dgm:cxn modelId="{F4FADB86-5906-4904-86C7-A0A037C9FE2A}" srcId="{3A15F1F8-B2F2-4691-AE28-E760D4B3D407}" destId="{62DB1F06-B976-4258-8AC5-90E7DA349820}" srcOrd="3" destOrd="0" parTransId="{2C78F5B7-2CC6-448C-8570-6F408E6E0DE2}" sibTransId="{0B9242E2-A251-4F36-AACB-C0404A787462}"/>
+    <dgm:cxn modelId="{568D1295-B002-4057-AE86-F2EB5316B386}" type="presOf" srcId="{9D8F6B41-218F-4811-898A-1DCC9FB74725}" destId="{7161C4E4-1BE3-4634-A625-5810D5F67360}" srcOrd="1" destOrd="0" presId="urn:microsoft.com/office/officeart/2005/8/layout/cycle2"/>
+    <dgm:cxn modelId="{B12E5E9F-6A71-4244-86E5-8E6039417E50}" type="presOf" srcId="{9D26B4AE-8B80-4B7B-8A31-E483F28251DE}" destId="{40A8BEB9-FD51-41D6-90B4-63EA75350B61}" srcOrd="1" destOrd="0" presId="urn:microsoft.com/office/officeart/2005/8/layout/cycle2"/>
+    <dgm:cxn modelId="{1815CFA2-B3BB-4211-A9DE-59E07E642C89}" type="presOf" srcId="{C858197D-B4D7-4B75-8F6E-35EA577F4C41}" destId="{2A8B1594-8EF0-4914-B453-F8CE294391ED}" srcOrd="1" destOrd="0" presId="urn:microsoft.com/office/officeart/2005/8/layout/cycle2"/>
+    <dgm:cxn modelId="{8D602EAA-DC30-4DE6-B48E-16378F24390D}" type="presOf" srcId="{3AC27560-A0AE-4613-9F8A-61916F0FD912}" destId="{96A58BD1-6765-419B-A2D2-6667EEF5017F}" srcOrd="0" destOrd="0" presId="urn:microsoft.com/office/officeart/2005/8/layout/cycle2"/>
+    <dgm:cxn modelId="{D37D67AF-ED2D-4741-B86D-D0D111DC9176}" type="presOf" srcId="{9D8F6B41-218F-4811-898A-1DCC9FB74725}" destId="{129494FF-8638-4A7F-A8FB-E1F27360A6D4}" srcOrd="0" destOrd="0" presId="urn:microsoft.com/office/officeart/2005/8/layout/cycle2"/>
+    <dgm:cxn modelId="{CFD15CD4-6B1A-4E82-944D-FC2AB7086E4B}" srcId="{3A15F1F8-B2F2-4691-AE28-E760D4B3D407}" destId="{CE4A6543-468B-4896-919A-07DADBAE07D1}" srcOrd="2" destOrd="0" parTransId="{5C692471-1BF9-4500-8931-82CF53619AF9}" sibTransId="{C858197D-B4D7-4B75-8F6E-35EA577F4C41}"/>
     <dgm:cxn modelId="{3571D7DA-DD66-4CEA-8049-2061FC1AD489}" srcId="{3A15F1F8-B2F2-4691-AE28-E760D4B3D407}" destId="{9F2DD87D-62EE-4AB7-906F-F86855AFD4F0}" srcOrd="0" destOrd="0" parTransId="{70DF30A7-7561-46AB-811E-FE8BBE9B0743}" sibTransId="{9D8F6B41-218F-4811-898A-1DCC9FB74725}"/>
-    <dgm:cxn modelId="{568D1295-B002-4057-AE86-F2EB5316B386}" type="presOf" srcId="{9D8F6B41-218F-4811-898A-1DCC9FB74725}" destId="{7161C4E4-1BE3-4634-A625-5810D5F67360}" srcOrd="1" destOrd="0" presId="urn:microsoft.com/office/officeart/2005/8/layout/cycle2"/>
-    <dgm:cxn modelId="{EE09FE48-2999-4494-A14B-0A23169FBB36}" type="presOf" srcId="{94F300C4-646A-4B27-884C-AD681F7E7601}" destId="{17285107-D169-46D7-8C77-9B2E1725000F}" srcOrd="0" destOrd="0" presId="urn:microsoft.com/office/officeart/2005/8/layout/cycle2"/>
-    <dgm:cxn modelId="{2332F42B-E768-4366-B6A9-43360A6F1A15}" type="presOf" srcId="{F7208B30-C597-42AA-83A6-1751891EFEB6}" destId="{06B42BFB-CE80-4CD1-A7A9-4D7DE34CB4F5}" srcOrd="0" destOrd="0" presId="urn:microsoft.com/office/officeart/2005/8/layout/cycle2"/>
-    <dgm:cxn modelId="{F2DF5B5E-0D3B-49C3-B5EF-17BC1EE9239F}" srcId="{3A15F1F8-B2F2-4691-AE28-E760D4B3D407}" destId="{F7208B30-C597-42AA-83A6-1751891EFEB6}" srcOrd="1" destOrd="0" parTransId="{05E07AAF-B424-4BA9-B548-C81324883DE0}" sibTransId="{9D26B4AE-8B80-4B7B-8A31-E483F28251DE}"/>
+    <dgm:cxn modelId="{B22600DB-66B8-4227-84FD-7E0CD7B6FBAC}" type="presOf" srcId="{C858197D-B4D7-4B75-8F6E-35EA577F4C41}" destId="{DA2D5722-85BB-4EAE-BE90-A007EC011C31}" srcOrd="0" destOrd="0" presId="urn:microsoft.com/office/officeart/2005/8/layout/cycle2"/>
     <dgm:cxn modelId="{D76CB5EC-D7B4-4F43-8111-6B2009872D67}" srcId="{3A15F1F8-B2F2-4691-AE28-E760D4B3D407}" destId="{3AC27560-A0AE-4613-9F8A-61916F0FD912}" srcOrd="4" destOrd="0" parTransId="{EA4BBD80-2FEC-4377-BAE3-A0D4A6DEE45A}" sibTransId="{94F300C4-646A-4B27-884C-AD681F7E7601}"/>
-    <dgm:cxn modelId="{934F1B10-F61B-41A2-8145-0327D5732315}" type="presOf" srcId="{3A15F1F8-B2F2-4691-AE28-E760D4B3D407}" destId="{733F3E62-8596-4463-B453-BD8130F402A5}" srcOrd="0" destOrd="0" presId="urn:microsoft.com/office/officeart/2005/8/layout/cycle2"/>
     <dgm:cxn modelId="{3B57D8FE-6B4D-44B6-A6CF-9F3016E0AFF6}" type="presOf" srcId="{CE4A6543-468B-4896-919A-07DADBAE07D1}" destId="{BFCDBBC7-C84D-4A68-AB73-13970D676FAB}" srcOrd="0" destOrd="0" presId="urn:microsoft.com/office/officeart/2005/8/layout/cycle2"/>
-    <dgm:cxn modelId="{CFD15CD4-6B1A-4E82-944D-FC2AB7086E4B}" srcId="{3A15F1F8-B2F2-4691-AE28-E760D4B3D407}" destId="{CE4A6543-468B-4896-919A-07DADBAE07D1}" srcOrd="2" destOrd="0" parTransId="{5C692471-1BF9-4500-8931-82CF53619AF9}" sibTransId="{C858197D-B4D7-4B75-8F6E-35EA577F4C41}"/>
-    <dgm:cxn modelId="{F1C24A52-CF80-4A3A-95D4-9C2758B865B1}" type="presOf" srcId="{9D26B4AE-8B80-4B7B-8A31-E483F28251DE}" destId="{60974098-7292-4D27-8ED6-73BF1656B9BB}" srcOrd="0" destOrd="0" presId="urn:microsoft.com/office/officeart/2005/8/layout/cycle2"/>
-    <dgm:cxn modelId="{D37D67AF-ED2D-4741-B86D-D0D111DC9176}" type="presOf" srcId="{9D8F6B41-218F-4811-898A-1DCC9FB74725}" destId="{129494FF-8638-4A7F-A8FB-E1F27360A6D4}" srcOrd="0" destOrd="0" presId="urn:microsoft.com/office/officeart/2005/8/layout/cycle2"/>
-    <dgm:cxn modelId="{8D602EAA-DC30-4DE6-B48E-16378F24390D}" type="presOf" srcId="{3AC27560-A0AE-4613-9F8A-61916F0FD912}" destId="{96A58BD1-6765-419B-A2D2-6667EEF5017F}" srcOrd="0" destOrd="0" presId="urn:microsoft.com/office/officeart/2005/8/layout/cycle2"/>
-    <dgm:cxn modelId="{B12E5E9F-6A71-4244-86E5-8E6039417E50}" type="presOf" srcId="{9D26B4AE-8B80-4B7B-8A31-E483F28251DE}" destId="{40A8BEB9-FD51-41D6-90B4-63EA75350B61}" srcOrd="1" destOrd="0" presId="urn:microsoft.com/office/officeart/2005/8/layout/cycle2"/>
-    <dgm:cxn modelId="{28BEF85C-03EE-42FD-8639-6B5A5141DC2A}" type="presOf" srcId="{94F300C4-646A-4B27-884C-AD681F7E7601}" destId="{98E125A4-3D2B-447D-88BB-D8655BC2CCF9}" srcOrd="1" destOrd="0" presId="urn:microsoft.com/office/officeart/2005/8/layout/cycle2"/>
-    <dgm:cxn modelId="{038DF049-274C-46DC-A319-758E082064B0}" type="presOf" srcId="{0B9242E2-A251-4F36-AACB-C0404A787462}" destId="{10FA9BC3-C523-4FF2-AF42-2C5E27691805}" srcOrd="1" destOrd="0" presId="urn:microsoft.com/office/officeart/2005/8/layout/cycle2"/>
-    <dgm:cxn modelId="{B22600DB-66B8-4227-84FD-7E0CD7B6FBAC}" type="presOf" srcId="{C858197D-B4D7-4B75-8F6E-35EA577F4C41}" destId="{DA2D5722-85BB-4EAE-BE90-A007EC011C31}" srcOrd="0" destOrd="0" presId="urn:microsoft.com/office/officeart/2005/8/layout/cycle2"/>
-    <dgm:cxn modelId="{1815CFA2-B3BB-4211-A9DE-59E07E642C89}" type="presOf" srcId="{C858197D-B4D7-4B75-8F6E-35EA577F4C41}" destId="{2A8B1594-8EF0-4914-B453-F8CE294391ED}" srcOrd="1" destOrd="0" presId="urn:microsoft.com/office/officeart/2005/8/layout/cycle2"/>
     <dgm:cxn modelId="{90F3C1D6-DC62-40DB-9BBF-9C9891EB59D8}" type="presParOf" srcId="{733F3E62-8596-4463-B453-BD8130F402A5}" destId="{759C668A-BA42-45C5-B924-A31E5CCDA908}" srcOrd="0" destOrd="0" presId="urn:microsoft.com/office/officeart/2005/8/layout/cycle2"/>
     <dgm:cxn modelId="{6C825CB6-32AE-44FF-AE42-5FBD480DDDCC}" type="presParOf" srcId="{733F3E62-8596-4463-B453-BD8130F402A5}" destId="{129494FF-8638-4A7F-A8FB-E1F27360A6D4}" srcOrd="1" destOrd="0" presId="urn:microsoft.com/office/officeart/2005/8/layout/cycle2"/>
     <dgm:cxn modelId="{2D3FA6BC-CF44-4DAA-9C31-116161AB7491}" type="presParOf" srcId="{129494FF-8638-4A7F-A8FB-E1F27360A6D4}" destId="{7161C4E4-1BE3-4634-A625-5810D5F67360}" srcOrd="0" destOrd="0" presId="urn:microsoft.com/office/officeart/2005/8/layout/cycle2"/>
@@ -1774,7 +1662,7 @@
         </a:bodyPr>
         <a:lstStyle/>
         <a:p>
-          <a:pPr lvl="0" algn="ctr" defTabSz="666750">
+          <a:pPr marL="0" lvl="0" indent="0" algn="ctr" defTabSz="666750">
             <a:lnSpc>
               <a:spcPct val="90000"/>
             </a:lnSpc>
@@ -1784,6 +1672,7 @@
             <a:spcAft>
               <a:spcPct val="35000"/>
             </a:spcAft>
+            <a:buNone/>
           </a:pPr>
           <a:r>
             <a:rPr lang="sv-SE" sz="1500" kern="1200" dirty="0"/>
@@ -1791,7 +1680,7 @@
           </a:r>
         </a:p>
         <a:p>
-          <a:pPr lvl="0" algn="ctr" defTabSz="666750">
+          <a:pPr marL="0" lvl="0" indent="0" algn="ctr" defTabSz="666750">
             <a:lnSpc>
               <a:spcPct val="90000"/>
             </a:lnSpc>
@@ -1801,6 +1690,7 @@
             <a:spcAft>
               <a:spcPct val="35000"/>
             </a:spcAft>
+            <a:buNone/>
           </a:pPr>
           <a:r>
             <a:rPr lang="sv-SE" sz="1500" kern="1200" dirty="0"/>
@@ -1862,7 +1752,7 @@
         </a:bodyPr>
         <a:lstStyle/>
         <a:p>
-          <a:pPr lvl="0" algn="ctr" defTabSz="533400">
+          <a:pPr marL="0" lvl="0" indent="0" algn="ctr" defTabSz="533400">
             <a:lnSpc>
               <a:spcPct val="90000"/>
             </a:lnSpc>
@@ -1872,6 +1762,7 @@
             <a:spcAft>
               <a:spcPct val="35000"/>
             </a:spcAft>
+            <a:buNone/>
           </a:pPr>
           <a:endParaRPr lang="sv-SE" sz="1200" kern="1200"/>
         </a:p>
@@ -1936,7 +1827,7 @@
         </a:bodyPr>
         <a:lstStyle/>
         <a:p>
-          <a:pPr lvl="0" algn="ctr" defTabSz="666750">
+          <a:pPr marL="0" lvl="0" indent="0" algn="ctr" defTabSz="666750">
             <a:lnSpc>
               <a:spcPct val="90000"/>
             </a:lnSpc>
@@ -1946,6 +1837,7 @@
             <a:spcAft>
               <a:spcPct val="35000"/>
             </a:spcAft>
+            <a:buNone/>
           </a:pPr>
           <a:r>
             <a:rPr lang="sv-SE" sz="1500" kern="1200" dirty="0"/>
@@ -1953,7 +1845,7 @@
           </a:r>
         </a:p>
         <a:p>
-          <a:pPr lvl="0" algn="ctr" defTabSz="666750">
+          <a:pPr marL="0" lvl="0" indent="0" algn="ctr" defTabSz="666750">
             <a:lnSpc>
               <a:spcPct val="90000"/>
             </a:lnSpc>
@@ -1963,6 +1855,7 @@
             <a:spcAft>
               <a:spcPct val="35000"/>
             </a:spcAft>
+            <a:buNone/>
           </a:pPr>
           <a:r>
             <a:rPr lang="sv-SE" sz="1500" kern="1200" dirty="0"/>
@@ -2024,7 +1917,7 @@
         </a:bodyPr>
         <a:lstStyle/>
         <a:p>
-          <a:pPr lvl="0" algn="ctr" defTabSz="533400">
+          <a:pPr marL="0" lvl="0" indent="0" algn="ctr" defTabSz="533400">
             <a:lnSpc>
               <a:spcPct val="90000"/>
             </a:lnSpc>
@@ -2034,6 +1927,7 @@
             <a:spcAft>
               <a:spcPct val="35000"/>
             </a:spcAft>
+            <a:buNone/>
           </a:pPr>
           <a:endParaRPr lang="sv-SE" sz="1200" kern="1200"/>
         </a:p>
@@ -2098,7 +1992,7 @@
         </a:bodyPr>
         <a:lstStyle/>
         <a:p>
-          <a:pPr lvl="0" algn="ctr" defTabSz="666750">
+          <a:pPr marL="0" lvl="0" indent="0" algn="ctr" defTabSz="666750">
             <a:lnSpc>
               <a:spcPct val="90000"/>
             </a:lnSpc>
@@ -2108,6 +2002,7 @@
             <a:spcAft>
               <a:spcPct val="35000"/>
             </a:spcAft>
+            <a:buNone/>
           </a:pPr>
           <a:r>
             <a:rPr lang="sv-SE" sz="1500" kern="1200" dirty="0"/>
@@ -2115,7 +2010,7 @@
           </a:r>
         </a:p>
         <a:p>
-          <a:pPr lvl="0" algn="ctr" defTabSz="666750">
+          <a:pPr marL="0" lvl="0" indent="0" algn="ctr" defTabSz="666750">
             <a:lnSpc>
               <a:spcPct val="90000"/>
             </a:lnSpc>
@@ -2125,6 +2020,7 @@
             <a:spcAft>
               <a:spcPct val="35000"/>
             </a:spcAft>
+            <a:buNone/>
           </a:pPr>
           <a:r>
             <a:rPr lang="sv-SE" sz="1500" kern="1200" dirty="0"/>
@@ -2186,7 +2082,7 @@
         </a:bodyPr>
         <a:lstStyle/>
         <a:p>
-          <a:pPr lvl="0" algn="ctr" defTabSz="533400">
+          <a:pPr marL="0" lvl="0" indent="0" algn="ctr" defTabSz="533400">
             <a:lnSpc>
               <a:spcPct val="90000"/>
             </a:lnSpc>
@@ -2196,6 +2092,7 @@
             <a:spcAft>
               <a:spcPct val="35000"/>
             </a:spcAft>
+            <a:buNone/>
           </a:pPr>
           <a:endParaRPr lang="sv-SE" sz="1200" kern="1200"/>
         </a:p>
@@ -2260,7 +2157,7 @@
         </a:bodyPr>
         <a:lstStyle/>
         <a:p>
-          <a:pPr lvl="0" algn="ctr" defTabSz="666750">
+          <a:pPr marL="0" lvl="0" indent="0" algn="ctr" defTabSz="666750">
             <a:lnSpc>
               <a:spcPct val="90000"/>
             </a:lnSpc>
@@ -2270,6 +2167,7 @@
             <a:spcAft>
               <a:spcPct val="35000"/>
             </a:spcAft>
+            <a:buNone/>
           </a:pPr>
           <a:r>
             <a:rPr lang="sv-SE" sz="1500" b="0" i="0" kern="1200" dirty="0"/>
@@ -2277,7 +2175,7 @@
           </a:r>
         </a:p>
         <a:p>
-          <a:pPr lvl="0" algn="ctr" defTabSz="666750">
+          <a:pPr marL="0" lvl="0" indent="0" algn="ctr" defTabSz="666750">
             <a:lnSpc>
               <a:spcPct val="90000"/>
             </a:lnSpc>
@@ -2287,6 +2185,7 @@
             <a:spcAft>
               <a:spcPct val="35000"/>
             </a:spcAft>
+            <a:buNone/>
           </a:pPr>
           <a:r>
             <a:rPr lang="sv-SE" sz="1500" b="0" i="0" kern="1200" dirty="0"/>
@@ -2349,7 +2248,7 @@
         </a:bodyPr>
         <a:lstStyle/>
         <a:p>
-          <a:pPr lvl="0" algn="ctr" defTabSz="533400">
+          <a:pPr marL="0" lvl="0" indent="0" algn="ctr" defTabSz="533400">
             <a:lnSpc>
               <a:spcPct val="90000"/>
             </a:lnSpc>
@@ -2359,6 +2258,7 @@
             <a:spcAft>
               <a:spcPct val="35000"/>
             </a:spcAft>
+            <a:buNone/>
           </a:pPr>
           <a:endParaRPr lang="sv-SE" sz="1200" kern="1200"/>
         </a:p>
@@ -2423,7 +2323,7 @@
         </a:bodyPr>
         <a:lstStyle/>
         <a:p>
-          <a:pPr lvl="0" algn="ctr" defTabSz="666750">
+          <a:pPr marL="0" lvl="0" indent="0" algn="ctr" defTabSz="666750">
             <a:lnSpc>
               <a:spcPct val="90000"/>
             </a:lnSpc>
@@ -2433,6 +2333,7 @@
             <a:spcAft>
               <a:spcPct val="35000"/>
             </a:spcAft>
+            <a:buNone/>
           </a:pPr>
           <a:r>
             <a:rPr lang="sv-SE" sz="1500" kern="1200" dirty="0"/>
@@ -2440,7 +2341,7 @@
           </a:r>
         </a:p>
         <a:p>
-          <a:pPr lvl="0" algn="ctr" defTabSz="666750">
+          <a:pPr marL="0" lvl="0" indent="0" algn="ctr" defTabSz="666750">
             <a:lnSpc>
               <a:spcPct val="90000"/>
             </a:lnSpc>
@@ -2450,6 +2351,7 @@
             <a:spcAft>
               <a:spcPct val="35000"/>
             </a:spcAft>
+            <a:buNone/>
           </a:pPr>
           <a:r>
             <a:rPr lang="sv-SE" sz="1500" kern="1200" dirty="0"/>
@@ -2511,7 +2413,7 @@
         </a:bodyPr>
         <a:lstStyle/>
         <a:p>
-          <a:pPr lvl="0" algn="ctr" defTabSz="533400">
+          <a:pPr marL="0" lvl="0" indent="0" algn="ctr" defTabSz="533400">
             <a:lnSpc>
               <a:spcPct val="90000"/>
             </a:lnSpc>
@@ -2521,6 +2423,7 @@
             <a:spcAft>
               <a:spcPct val="35000"/>
             </a:spcAft>
+            <a:buNone/>
           </a:pPr>
           <a:endParaRPr lang="sv-SE" sz="1200" kern="1200"/>
         </a:p>
@@ -3861,7 +3764,7 @@
           <a:p>
             <a:fld id="{B6D758EA-013B-4174-A417-D1D35209A07A}" type="datetimeFigureOut">
               <a:rPr lang="sv-SE" smtClean="0"/>
-              <a:t>2019-10-23</a:t>
+              <a:t>2019-08-28</a:t>
             </a:fld>
             <a:endParaRPr lang="sv-SE"/>
           </a:p>
@@ -4929,7 +4832,7 @@
           <a:p>
             <a:fld id="{ADDC2E00-917A-4EDF-9817-A169E74473A7}" type="datetimeFigureOut">
               <a:rPr lang="sv-SE" smtClean="0"/>
-              <a:t>2019-10-23</a:t>
+              <a:t>2019-08-28</a:t>
             </a:fld>
             <a:endParaRPr lang="sv-SE"/>
           </a:p>
@@ -5097,7 +5000,7 @@
           <a:p>
             <a:fld id="{ADDC2E00-917A-4EDF-9817-A169E74473A7}" type="datetimeFigureOut">
               <a:rPr lang="sv-SE" smtClean="0"/>
-              <a:t>2019-10-23</a:t>
+              <a:t>2019-08-28</a:t>
             </a:fld>
             <a:endParaRPr lang="sv-SE"/>
           </a:p>
@@ -5275,7 +5178,7 @@
           <a:p>
             <a:fld id="{ADDC2E00-917A-4EDF-9817-A169E74473A7}" type="datetimeFigureOut">
               <a:rPr lang="sv-SE" smtClean="0"/>
-              <a:t>2019-10-23</a:t>
+              <a:t>2019-08-28</a:t>
             </a:fld>
             <a:endParaRPr lang="sv-SE"/>
           </a:p>
@@ -5443,7 +5346,7 @@
           <a:p>
             <a:fld id="{ADDC2E00-917A-4EDF-9817-A169E74473A7}" type="datetimeFigureOut">
               <a:rPr lang="sv-SE" smtClean="0"/>
-              <a:t>2019-10-23</a:t>
+              <a:t>2019-08-28</a:t>
             </a:fld>
             <a:endParaRPr lang="sv-SE"/>
           </a:p>
@@ -5688,7 +5591,7 @@
           <a:p>
             <a:fld id="{ADDC2E00-917A-4EDF-9817-A169E74473A7}" type="datetimeFigureOut">
               <a:rPr lang="sv-SE" smtClean="0"/>
-              <a:t>2019-10-23</a:t>
+              <a:t>2019-08-28</a:t>
             </a:fld>
             <a:endParaRPr lang="sv-SE"/>
           </a:p>
@@ -5917,7 +5820,7 @@
           <a:p>
             <a:fld id="{ADDC2E00-917A-4EDF-9817-A169E74473A7}" type="datetimeFigureOut">
               <a:rPr lang="sv-SE" smtClean="0"/>
-              <a:t>2019-10-23</a:t>
+              <a:t>2019-08-28</a:t>
             </a:fld>
             <a:endParaRPr lang="sv-SE"/>
           </a:p>
@@ -6281,7 +6184,7 @@
           <a:p>
             <a:fld id="{ADDC2E00-917A-4EDF-9817-A169E74473A7}" type="datetimeFigureOut">
               <a:rPr lang="sv-SE" smtClean="0"/>
-              <a:t>2019-10-23</a:t>
+              <a:t>2019-08-28</a:t>
             </a:fld>
             <a:endParaRPr lang="sv-SE"/>
           </a:p>
@@ -6398,7 +6301,7 @@
           <a:p>
             <a:fld id="{ADDC2E00-917A-4EDF-9817-A169E74473A7}" type="datetimeFigureOut">
               <a:rPr lang="sv-SE" smtClean="0"/>
-              <a:t>2019-10-23</a:t>
+              <a:t>2019-08-28</a:t>
             </a:fld>
             <a:endParaRPr lang="sv-SE"/>
           </a:p>
@@ -6493,7 +6396,7 @@
           <a:p>
             <a:fld id="{ADDC2E00-917A-4EDF-9817-A169E74473A7}" type="datetimeFigureOut">
               <a:rPr lang="sv-SE" smtClean="0"/>
-              <a:t>2019-10-23</a:t>
+              <a:t>2019-08-28</a:t>
             </a:fld>
             <a:endParaRPr lang="sv-SE"/>
           </a:p>
@@ -6768,7 +6671,7 @@
           <a:p>
             <a:fld id="{ADDC2E00-917A-4EDF-9817-A169E74473A7}" type="datetimeFigureOut">
               <a:rPr lang="sv-SE" smtClean="0"/>
-              <a:t>2019-10-23</a:t>
+              <a:t>2019-08-28</a:t>
             </a:fld>
             <a:endParaRPr lang="sv-SE"/>
           </a:p>
@@ -7020,7 +6923,7 @@
           <a:p>
             <a:fld id="{ADDC2E00-917A-4EDF-9817-A169E74473A7}" type="datetimeFigureOut">
               <a:rPr lang="sv-SE" smtClean="0"/>
-              <a:t>2019-10-23</a:t>
+              <a:t>2019-08-28</a:t>
             </a:fld>
             <a:endParaRPr lang="sv-SE"/>
           </a:p>
@@ -7231,7 +7134,7 @@
           <a:p>
             <a:fld id="{ADDC2E00-917A-4EDF-9817-A169E74473A7}" type="datetimeFigureOut">
               <a:rPr lang="sv-SE" smtClean="0"/>
-              <a:t>2019-10-23</a:t>
+              <a:t>2019-08-28</a:t>
             </a:fld>
             <a:endParaRPr lang="sv-SE"/>
           </a:p>
@@ -8051,13 +7954,6 @@
   <p:clrMapOvr>
     <a:masterClrMapping/>
   </p:clrMapOvr>
-  <p:timing>
-    <p:tnLst>
-      <p:par>
-        <p:cTn id="1" dur="indefinite" restart="never" nodeType="tmRoot"/>
-      </p:par>
-    </p:tnLst>
-  </p:timing>
 </p:sld>
 </file>
 
@@ -8324,13 +8220,6 @@
   <p:clrMapOvr>
     <a:masterClrMapping/>
   </p:clrMapOvr>
-  <p:timing>
-    <p:tnLst>
-      <p:par>
-        <p:cTn id="1" dur="indefinite" restart="never" nodeType="tmRoot"/>
-      </p:par>
-    </p:tnLst>
-  </p:timing>
 </p:sld>
 </file>
 
@@ -8417,13 +8306,6 @@
   <p:clrMapOvr>
     <a:masterClrMapping/>
   </p:clrMapOvr>
-  <p:timing>
-    <p:tnLst>
-      <p:par>
-        <p:cTn id="1" dur="indefinite" restart="never" nodeType="tmRoot"/>
-      </p:par>
-    </p:tnLst>
-  </p:timing>
 </p:sld>
 </file>
 
@@ -8556,13 +8438,6 @@
   <p:clrMapOvr>
     <a:masterClrMapping/>
   </p:clrMapOvr>
-  <p:timing>
-    <p:tnLst>
-      <p:par>
-        <p:cTn id="1" dur="indefinite" restart="never" nodeType="tmRoot"/>
-      </p:par>
-    </p:tnLst>
-  </p:timing>
 </p:sld>
 </file>
 
@@ -9381,13 +9256,6 @@
   <p:clrMapOvr>
     <a:masterClrMapping/>
   </p:clrMapOvr>
-  <p:timing>
-    <p:tnLst>
-      <p:par>
-        <p:cTn id="1" dur="indefinite" restart="never" nodeType="tmRoot"/>
-      </p:par>
-    </p:tnLst>
-  </p:timing>
 </p:sld>
 </file>
 
@@ -9594,13 +9462,6 @@
   <p:clrMapOvr>
     <a:masterClrMapping/>
   </p:clrMapOvr>
-  <p:timing>
-    <p:tnLst>
-      <p:par>
-        <p:cTn id="1" dur="indefinite" restart="never" nodeType="tmRoot"/>
-      </p:par>
-    </p:tnLst>
-  </p:timing>
 </p:sld>
 </file>
 
@@ -10201,13 +10062,6 @@
   <p:clrMapOvr>
     <a:masterClrMapping/>
   </p:clrMapOvr>
-  <p:timing>
-    <p:tnLst>
-      <p:par>
-        <p:cTn id="1" dur="indefinite" restart="never" nodeType="tmRoot"/>
-      </p:par>
-    </p:tnLst>
-  </p:timing>
 </p:sld>
 </file>
 
@@ -10855,13 +10709,6 @@
   <p:clrMapOvr>
     <a:masterClrMapping/>
   </p:clrMapOvr>
-  <p:timing>
-    <p:tnLst>
-      <p:par>
-        <p:cTn id="1" dur="indefinite" restart="never" nodeType="tmRoot"/>
-      </p:par>
-    </p:tnLst>
-  </p:timing>
 </p:sld>
 </file>
 
@@ -11321,13 +11168,6 @@
   <p:clrMapOvr>
     <a:masterClrMapping/>
   </p:clrMapOvr>
-  <p:timing>
-    <p:tnLst>
-      <p:par>
-        <p:cTn id="1" dur="indefinite" restart="never" nodeType="tmRoot"/>
-      </p:par>
-    </p:tnLst>
-  </p:timing>
 </p:sld>
 </file>
 
@@ -11825,13 +11665,6 @@
   <p:clrMapOvr>
     <a:masterClrMapping/>
   </p:clrMapOvr>
-  <p:timing>
-    <p:tnLst>
-      <p:par>
-        <p:cTn id="1" dur="indefinite" restart="never" nodeType="tmRoot"/>
-      </p:par>
-    </p:tnLst>
-  </p:timing>
 </p:sld>
 </file>
 
@@ -11959,13 +11792,6 @@
   <p:clrMapOvr>
     <a:masterClrMapping/>
   </p:clrMapOvr>
-  <p:timing>
-    <p:tnLst>
-      <p:par>
-        <p:cTn id="1" dur="indefinite" restart="never" nodeType="tmRoot"/>
-      </p:par>
-    </p:tnLst>
-  </p:timing>
 </p:sld>
 </file>
 
@@ -12085,13 +11911,6 @@
   <p:clrMapOvr>
     <a:masterClrMapping/>
   </p:clrMapOvr>
-  <p:timing>
-    <p:tnLst>
-      <p:par>
-        <p:cTn id="1" dur="indefinite" restart="never" nodeType="tmRoot"/>
-      </p:par>
-    </p:tnLst>
-  </p:timing>
 </p:sld>
 </file>
 
@@ -13463,13 +13282,6 @@
   <p:clrMapOvr>
     <a:masterClrMapping/>
   </p:clrMapOvr>
-  <p:timing>
-    <p:tnLst>
-      <p:par>
-        <p:cTn id="1" dur="indefinite" restart="never" nodeType="tmRoot"/>
-      </p:par>
-    </p:tnLst>
-  </p:timing>
 </p:sld>
 </file>
 
@@ -14900,13 +14712,6 @@
   <p:clrMapOvr>
     <a:masterClrMapping/>
   </p:clrMapOvr>
-  <p:timing>
-    <p:tnLst>
-      <p:par>
-        <p:cTn id="1" dur="indefinite" restart="never" nodeType="tmRoot"/>
-      </p:par>
-    </p:tnLst>
-  </p:timing>
 </p:sld>
 </file>
 
@@ -16168,13 +15973,6 @@
   <p:clrMapOvr>
     <a:masterClrMapping/>
   </p:clrMapOvr>
-  <p:timing>
-    <p:tnLst>
-      <p:par>
-        <p:cTn id="1" dur="indefinite" restart="never" nodeType="tmRoot"/>
-      </p:par>
-    </p:tnLst>
-  </p:timing>
 </p:sld>
 </file>
 
@@ -16630,13 +16428,6 @@
   <p:clrMapOvr>
     <a:masterClrMapping/>
   </p:clrMapOvr>
-  <p:timing>
-    <p:tnLst>
-      <p:par>
-        <p:cTn id="1" dur="indefinite" restart="never" nodeType="tmRoot"/>
-      </p:par>
-    </p:tnLst>
-  </p:timing>
 </p:sld>
 </file>
 
@@ -16894,13 +16685,6 @@
   <p:clrMapOvr>
     <a:masterClrMapping/>
   </p:clrMapOvr>
-  <p:timing>
-    <p:tnLst>
-      <p:par>
-        <p:cTn id="1" dur="indefinite" restart="never" nodeType="tmRoot"/>
-      </p:par>
-    </p:tnLst>
-  </p:timing>
 </p:sld>
 </file>
 
@@ -17142,13 +16926,6 @@
   <p:clrMapOvr>
     <a:masterClrMapping/>
   </p:clrMapOvr>
-  <p:timing>
-    <p:tnLst>
-      <p:par>
-        <p:cTn id="1" dur="indefinite" restart="never" nodeType="tmRoot"/>
-      </p:par>
-    </p:tnLst>
-  </p:timing>
 </p:sld>
 </file>
 
@@ -17430,13 +17207,6 @@
   <p:clrMapOvr>
     <a:masterClrMapping/>
   </p:clrMapOvr>
-  <p:timing>
-    <p:tnLst>
-      <p:par>
-        <p:cTn id="1" dur="indefinite" restart="never" nodeType="tmRoot"/>
-      </p:par>
-    </p:tnLst>
-  </p:timing>
 </p:sld>
 </file>
 
@@ -17615,12 +17385,12 @@
           <a:graphicData uri="http://schemas.openxmlformats.org/presentationml/2006/ole">
             <mc:AlternateContent xmlns:mc="http://schemas.openxmlformats.org/markup-compatibility/2006">
               <mc:Choice xmlns:v="urn:schemas-microsoft-com:vml" Requires="v">
-                <p:oleObj spid="_x0000_s1027" name="Worksheet" r:id="rId5" imgW="4229164" imgH="6295931" progId="Excel.Sheet.12">
+                <p:oleObj spid="_x0000_s1026" name="Worksheet" r:id="rId4" imgW="4229164" imgH="6295931" progId="Excel.Sheet.12">
                   <p:embed/>
                 </p:oleObj>
               </mc:Choice>
               <mc:Fallback>
-                <p:oleObj name="Worksheet" r:id="rId5" imgW="4229164" imgH="6295931" progId="Excel.Sheet.12">
+                <p:oleObj name="Worksheet" r:id="rId4" imgW="4229164" imgH="6295931" progId="Excel.Sheet.12">
                   <p:embed/>
                   <p:pic>
                     <p:nvPicPr>
@@ -17629,7 +17399,7 @@
                       <p:nvPr/>
                     </p:nvPicPr>
                     <p:blipFill>
-                      <a:blip r:embed="rId6"/>
+                      <a:blip r:embed="rId5"/>
                       <a:stretch>
                         <a:fillRect/>
                       </a:stretch>
@@ -17659,7 +17429,7 @@
           <p:nvPr/>
         </p:nvPicPr>
         <p:blipFill>
-          <a:blip r:embed="rId7"/>
+          <a:blip r:embed="rId6"/>
           <a:stretch>
             <a:fillRect/>
           </a:stretch>
@@ -17684,13 +17454,6 @@
   <p:clrMapOvr>
     <a:masterClrMapping/>
   </p:clrMapOvr>
-  <p:timing>
-    <p:tnLst>
-      <p:par>
-        <p:cTn id="1" dur="indefinite" restart="never" nodeType="tmRoot"/>
-      </p:par>
-    </p:tnLst>
-  </p:timing>
 </p:sld>
 </file>
 
@@ -17859,13 +17622,6 @@
   <p:clrMapOvr>
     <a:masterClrMapping/>
   </p:clrMapOvr>
-  <p:timing>
-    <p:tnLst>
-      <p:par>
-        <p:cTn id="1" dur="indefinite" restart="never" nodeType="tmRoot"/>
-      </p:par>
-    </p:tnLst>
-  </p:timing>
 </p:sld>
 </file>
 
@@ -18103,13 +17859,6 @@
   <p:clrMapOvr>
     <a:masterClrMapping/>
   </p:clrMapOvr>
-  <p:timing>
-    <p:tnLst>
-      <p:par>
-        <p:cTn id="1" dur="indefinite" restart="never" nodeType="tmRoot"/>
-      </p:par>
-    </p:tnLst>
-  </p:timing>
 </p:sld>
 </file>
 
@@ -18348,13 +18097,6 @@
   <p:clrMapOvr>
     <a:masterClrMapping/>
   </p:clrMapOvr>
-  <p:timing>
-    <p:tnLst>
-      <p:par>
-        <p:cTn id="1" dur="indefinite" restart="never" nodeType="tmRoot"/>
-      </p:par>
-    </p:tnLst>
-  </p:timing>
 </p:sld>
 </file>
 
